--- a/Final_Presentation_group_17.pptx
+++ b/Final_Presentation_group_17.pptx
@@ -5,7 +5,7 @@
     <p:sldMasterId id="2147483725" r:id="rId1"/>
   </p:sldMasterIdLst>
   <p:notesMasterIdLst>
-    <p:notesMasterId r:id="rId27"/>
+    <p:notesMasterId r:id="rId28"/>
   </p:notesMasterIdLst>
   <p:sldIdLst>
     <p:sldId id="256" r:id="rId2"/>
@@ -31,8 +31,9 @@
     <p:sldId id="282" r:id="rId22"/>
     <p:sldId id="270" r:id="rId23"/>
     <p:sldId id="265" r:id="rId24"/>
-    <p:sldId id="266" r:id="rId25"/>
-    <p:sldId id="267" r:id="rId26"/>
+    <p:sldId id="284" r:id="rId25"/>
+    <p:sldId id="266" r:id="rId26"/>
+    <p:sldId id="267" r:id="rId27"/>
   </p:sldIdLst>
   <p:sldSz cx="12192000" cy="6858000"/>
   <p:notesSz cx="6858000" cy="9144000"/>
@@ -145,12 +146,15 @@
     <p1510:client id="{16A19789-99D6-E9B2-3C38-6323B4C60F0C}" v="1049" dt="2020-11-19T01:20:32.269"/>
     <p1510:client id="{53BC2BD2-69A2-433F-BE8B-D79372B46DB2}" v="381" dt="2020-11-19T20:51:54.472"/>
     <p1510:client id="{5F05CD61-4646-52BD-837C-64D0A7AF9C4E}" v="1022" dt="2020-11-19T05:37:25.375"/>
+    <p1510:client id="{6FB95A94-B780-96EC-ABDC-E8A9CED0C6C2}" v="429" dt="2020-11-19T22:44:21.981"/>
     <p1510:client id="{733921CF-68CA-D0C7-E26A-CFA625816008}" v="203" dt="2020-11-19T04:58:09.838"/>
     <p1510:client id="{8EA03B3D-DF78-36C5-8525-D5F8D0FCD5E3}" v="1200" dt="2020-11-19T21:05:13.560"/>
+    <p1510:client id="{B12E186A-5C9C-8A8A-4A5C-FC65DD34CB21}" v="768" dt="2020-11-19T23:02:42.125"/>
     <p1510:client id="{C90E8667-AAC5-0E50-9BA5-9F97A85102C6}" v="2495" dt="2020-11-18T08:29:21.545"/>
     <p1510:client id="{CB1C27DF-D938-0D9F-3FCE-39B4E63D516A}" v="296" dt="2020-11-18T01:55:42.828"/>
     <p1510:client id="{E5F776DA-8AA2-4BD1-9904-B6943FC15291}" v="102" dt="2020-11-17T19:08:05.962"/>
     <p1510:client id="{F34CC040-DBCE-BFD7-3B48-D7886105A9FD}" v="2356" dt="2020-11-19T08:35:44.476"/>
+    <p1510:client id="{F9E567A7-EFAE-98B9-B8D5-8433E7C3EF00}" v="279" dt="2020-11-19T22:46:13.955"/>
     <p1510:client id="{FF8804C9-E5CF-443C-AD88-AB4A3896DC61}" v="2189" dt="2020-11-17T20:30:40.133"/>
   </p1510:revLst>
 </p1510:revInfo>
@@ -595,7 +599,7 @@
           <a:p>
             <a:fld id="{A5F7CAA3-62E6-49ED-B8D1-254B9E3BD550}" type="slidenum">
               <a:rPr lang="en-US"/>
-              <a:t>20</a:t>
+              <a:t>15</a:t>
             </a:fld>
             <a:endParaRPr lang="en-US"/>
           </a:p>
@@ -8541,7 +8545,7 @@
           <a:lstStyle/>
           <a:p>
             <a:r>
-              <a:rPr lang="en-US" dirty="0">
+              <a:rPr lang="en-US">
                 <a:ea typeface="+mj-lt"/>
                 <a:cs typeface="+mj-lt"/>
               </a:rPr>
@@ -8549,7 +8553,7 @@
             </a:r>
           </a:p>
           <a:p>
-            <a:endParaRPr lang="en-US" dirty="0"/>
+            <a:endParaRPr lang="en-US"/>
           </a:p>
         </p:txBody>
       </p:sp>
@@ -8585,7 +8589,7 @@
               </a:buClr>
             </a:pPr>
             <a:r>
-              <a:rPr lang="en-US" dirty="0">
+              <a:rPr lang="en-US">
                 <a:solidFill>
                   <a:srgbClr val="FFFFFF"/>
                 </a:solidFill>
@@ -8600,14 +8604,14 @@
               </a:buClr>
             </a:pPr>
             <a:r>
-              <a:rPr lang="en-US" dirty="0">
+              <a:rPr lang="en-US">
                 <a:solidFill>
                   <a:srgbClr val="FFFFFF"/>
                 </a:solidFill>
               </a:rPr>
               <a:t>Seems to follow trends seen in the data exploration.</a:t>
             </a:r>
-            <a:endParaRPr lang="en-US" dirty="0"/>
+            <a:endParaRPr lang="en-US"/>
           </a:p>
         </p:txBody>
       </p:sp>
@@ -8743,7 +8747,7 @@
               <a:buChar char="•"/>
             </a:pPr>
             <a:r>
-              <a:rPr lang="en-US" dirty="0">
+              <a:rPr lang="en-US">
                 <a:ea typeface="+mn-lt"/>
                 <a:cs typeface="+mn-lt"/>
               </a:rPr>
@@ -8762,7 +8766,7 @@
               <a:buChar char="•"/>
             </a:pPr>
             <a:r>
-              <a:rPr lang="en-US" dirty="0"/>
+              <a:rPr lang="en-US"/>
               <a:t>Apple seems to be the most volatile whereas JNJ is the least.</a:t>
             </a:r>
           </a:p>
@@ -8805,7 +8809,7 @@
               </a:spcBef>
             </a:pPr>
             <a:r>
-              <a:rPr lang="en-US" sz="2500" cap="all" dirty="0">
+              <a:rPr lang="en-US" sz="2500" cap="all">
                 <a:latin typeface="Rockwell Nova Light"/>
                 <a:ea typeface="+mn-lt"/>
                 <a:cs typeface="+mn-lt"/>
@@ -8813,7 +8817,7 @@
               <a:t>MOVING </a:t>
             </a:r>
             <a:r>
-              <a:rPr lang="en-US" sz="2500" cap="all" dirty="0" err="1">
+              <a:rPr lang="en-US" sz="2500" cap="all" err="1">
                 <a:latin typeface="Rockwell Nova Light"/>
                 <a:ea typeface="+mn-lt"/>
                 <a:cs typeface="+mn-lt"/>
@@ -8821,7 +8825,7 @@
               <a:t>StD</a:t>
             </a:r>
             <a:r>
-              <a:rPr lang="en-US" sz="2500" cap="all" dirty="0">
+              <a:rPr lang="en-US" sz="2500" cap="all">
                 <a:latin typeface="Rockwell Nova Light"/>
                 <a:ea typeface="+mn-lt"/>
                 <a:cs typeface="+mn-lt"/>
@@ -8835,7 +8839,7 @@
             </a:endParaRPr>
           </a:p>
           <a:p>
-            <a:endParaRPr lang="en-US" sz="2500" dirty="0">
+            <a:endParaRPr lang="en-US" sz="2500">
               <a:latin typeface="Rockwell Nova Light"/>
             </a:endParaRPr>
           </a:p>
@@ -10498,16 +10502,16 @@
           <a:lstStyle/>
           <a:p>
             <a:r>
-              <a:rPr lang="en-US" cap="all" dirty="0">
+              <a:rPr lang="en-US" cap="all">
                 <a:ea typeface="+mn-lt"/>
                 <a:cs typeface="+mn-lt"/>
               </a:rPr>
               <a:t>RMSE Scores for each model of each stock </a:t>
             </a:r>
-            <a:endParaRPr lang="en-US" dirty="0"/>
-          </a:p>
-          <a:p>
-            <a:endParaRPr lang="en-US" dirty="0"/>
+            <a:endParaRPr lang="en-US"/>
+          </a:p>
+          <a:p>
+            <a:endParaRPr lang="en-US"/>
           </a:p>
         </p:txBody>
       </p:sp>
@@ -10553,7 +10557,7 @@
               <a:buChar char="•"/>
             </a:pPr>
             <a:r>
-              <a:rPr lang="en-US" dirty="0"/>
+              <a:rPr lang="en-US"/>
               <a:t>Each model performs fairly consistently when predicting each stock.</a:t>
             </a:r>
           </a:p>
@@ -10569,7 +10573,7 @@
               <a:buChar char="•"/>
             </a:pPr>
             <a:r>
-              <a:rPr lang="en-US" dirty="0"/>
+              <a:rPr lang="en-US"/>
               <a:t>Linear Regression is the best in almost all cases.</a:t>
             </a:r>
           </a:p>
@@ -10714,7 +10718,47 @@
                 <a:ea typeface="+mn-lt"/>
                 <a:cs typeface="+mn-lt"/>
               </a:rPr>
-              <a:t>We can see that using this signal we could have predicted the price trend of JNJ. When short-term crosses above long-term we get a buy signal. When short-term passes below the longer-term we get a sell signal.</a:t>
+              <a:t>We can see that using this signal we could have predicted the price trend of JNJ. When short-term crosses above long-term we get a '</a:t>
+            </a:r>
+            <a:r>
+              <a:rPr lang="en-US" sz="1800" b="1">
+                <a:solidFill>
+                  <a:srgbClr val="FFFFFF"/>
+                </a:solidFill>
+                <a:ea typeface="+mn-lt"/>
+                <a:cs typeface="+mn-lt"/>
+              </a:rPr>
+              <a:t>buy</a:t>
+            </a:r>
+            <a:r>
+              <a:rPr lang="en-US" sz="1800">
+                <a:solidFill>
+                  <a:srgbClr val="FFFFFF"/>
+                </a:solidFill>
+                <a:ea typeface="+mn-lt"/>
+                <a:cs typeface="+mn-lt"/>
+              </a:rPr>
+              <a:t>' signal. When short-term passes below the longer-term we get a '</a:t>
+            </a:r>
+            <a:r>
+              <a:rPr lang="en-US" sz="1800" b="1">
+                <a:solidFill>
+                  <a:srgbClr val="FFFFFF"/>
+                </a:solidFill>
+                <a:ea typeface="+mn-lt"/>
+                <a:cs typeface="+mn-lt"/>
+              </a:rPr>
+              <a:t>sell</a:t>
+            </a:r>
+            <a:r>
+              <a:rPr lang="en-US" sz="1800">
+                <a:solidFill>
+                  <a:srgbClr val="FFFFFF"/>
+                </a:solidFill>
+                <a:ea typeface="+mn-lt"/>
+                <a:cs typeface="+mn-lt"/>
+              </a:rPr>
+              <a:t>' signal.</a:t>
             </a:r>
           </a:p>
           <a:p>
@@ -10755,8 +10799,8 @@
         </p:blipFill>
         <p:spPr>
           <a:xfrm>
-            <a:off x="568021" y="1991901"/>
-            <a:ext cx="11394205" cy="4698986"/>
+            <a:off x="46653" y="1991901"/>
+            <a:ext cx="12206336" cy="4869433"/>
           </a:xfrm>
           <a:prstGeom prst="rect">
             <a:avLst/>
@@ -10842,11 +10886,13 @@
         <p:spPr>
           <a:xfrm>
             <a:off x="1079500" y="1921042"/>
-            <a:ext cx="10026650" cy="3847933"/>
+            <a:ext cx="10026650" cy="4008354"/>
           </a:xfrm>
         </p:spPr>
         <p:txBody>
-          <a:bodyPr/>
+          <a:bodyPr>
+            <a:normAutofit fontScale="92500" lnSpcReduction="10000"/>
+          </a:bodyPr>
           <a:lstStyle/>
           <a:p>
             <a:pPr marL="359410" indent="-359410"/>
@@ -10893,7 +10939,61 @@
                   <a:srgbClr val="FFFFFF"/>
                 </a:solidFill>
               </a:rPr>
-              <a:t>MMM, UNH, BA, MSFT and INTC had the highest average daily return whereas DWDP, MRK, UTX, PFE and DIS had the lowest.</a:t>
+              <a:t>3M (MMM), </a:t>
+            </a:r>
+            <a:r>
+              <a:rPr lang="en-US">
+                <a:solidFill>
+                  <a:srgbClr val="FFFFFF"/>
+                </a:solidFill>
+                <a:ea typeface="+mn-lt"/>
+                <a:cs typeface="+mn-lt"/>
+              </a:rPr>
+              <a:t>UnitedHealth Group Inc (</a:t>
+            </a:r>
+            <a:r>
+              <a:rPr lang="en-US">
+                <a:solidFill>
+                  <a:srgbClr val="FFFFFF"/>
+                </a:solidFill>
+              </a:rPr>
+              <a:t>UNH) , Boeing</a:t>
+            </a:r>
+            <a:r>
+              <a:rPr lang="en-US">
+                <a:solidFill>
+                  <a:srgbClr val="FFFFFF"/>
+                </a:solidFill>
+                <a:ea typeface="+mn-lt"/>
+                <a:cs typeface="+mn-lt"/>
+              </a:rPr>
+              <a:t> Co (</a:t>
+            </a:r>
+            <a:r>
+              <a:rPr lang="en-US">
+                <a:solidFill>
+                  <a:srgbClr val="FFFFFF"/>
+                </a:solidFill>
+              </a:rPr>
+              <a:t>BA), Microsoft (MSFT) and Intel Corp (INTC) had the highest average daily return whereas DWDP, Merck (MRK), </a:t>
+            </a:r>
+            <a:r>
+              <a:rPr lang="en-US">
+                <a:solidFill>
+                  <a:srgbClr val="FFFFFF"/>
+                </a:solidFill>
+                <a:ea typeface="+mn-lt"/>
+                <a:cs typeface="+mn-lt"/>
+              </a:rPr>
+              <a:t>United Technologies (</a:t>
+            </a:r>
+            <a:r>
+              <a:rPr lang="en-US">
+                <a:solidFill>
+                  <a:srgbClr val="FFFFFF"/>
+                </a:solidFill>
+              </a:rPr>
+              <a:t>UTX), Pfizer (PFE) and Disney (DIS) had the lowest.</a:t>
             </a:r>
           </a:p>
           <a:p>
@@ -10910,6 +11010,42 @@
               </a:rPr>
               <a:t>AAPL had recorded the lowest daily return (-10.4%) whereas XOM had the highest (8.34%) daily return on a particular trading day.</a:t>
             </a:r>
+            <a:endParaRPr lang="en-US">
+              <a:solidFill>
+                <a:srgbClr val="FFFFFF">
+                  <a:alpha val="70000"/>
+                </a:srgbClr>
+              </a:solidFill>
+            </a:endParaRPr>
+          </a:p>
+          <a:p>
+            <a:pPr marL="359410" indent="-359410">
+              <a:buClr>
+                <a:srgbClr val="E0C1A8"/>
+              </a:buClr>
+            </a:pPr>
+            <a:r>
+              <a:rPr lang="en-US">
+                <a:solidFill>
+                  <a:srgbClr val="FFFFFF"/>
+                </a:solidFill>
+              </a:rPr>
+              <a:t>DowDuPont Inc. (DWDP) was inducted into the ^DJI universe on 1st September 2017</a:t>
+            </a:r>
+            <a:endParaRPr lang="en-US">
+              <a:solidFill>
+                <a:srgbClr val="FFFFFF">
+                  <a:alpha val="70000"/>
+                </a:srgbClr>
+              </a:solidFill>
+            </a:endParaRPr>
+          </a:p>
+          <a:p>
+            <a:pPr marL="359410" indent="-359410">
+              <a:buClr>
+                <a:srgbClr val="E0C1A8"/>
+              </a:buClr>
+            </a:pPr>
             <a:endParaRPr lang="en-US">
               <a:solidFill>
                 <a:srgbClr val="FFFFFF">
@@ -11420,6 +11556,169 @@
           <p:cNvPr id="2" name="Title 1">
             <a:extLst>
               <a:ext uri="{FF2B5EF4-FFF2-40B4-BE49-F238E27FC236}">
+                <a16:creationId xmlns:a16="http://schemas.microsoft.com/office/drawing/2014/main" id="{C60C98CE-CE77-431A-A4DF-DF771F0C4792}"/>
+              </a:ext>
+            </a:extLst>
+          </p:cNvPr>
+          <p:cNvSpPr>
+            <a:spLocks noGrp="1"/>
+          </p:cNvSpPr>
+          <p:nvPr>
+            <p:ph type="title"/>
+          </p:nvPr>
+        </p:nvSpPr>
+        <p:spPr/>
+        <p:txBody>
+          <a:bodyPr/>
+          <a:lstStyle/>
+          <a:p>
+            <a:r>
+              <a:rPr lang="en-US"/>
+              <a:t>Problems Encountered</a:t>
+            </a:r>
+          </a:p>
+        </p:txBody>
+      </p:sp>
+      <p:sp>
+        <p:nvSpPr>
+          <p:cNvPr id="3" name="Content Placeholder 2">
+            <a:extLst>
+              <a:ext uri="{FF2B5EF4-FFF2-40B4-BE49-F238E27FC236}">
+                <a16:creationId xmlns:a16="http://schemas.microsoft.com/office/drawing/2014/main" id="{CF1B5D8A-A4C0-4976-98B3-744F149E0939}"/>
+              </a:ext>
+            </a:extLst>
+          </p:cNvPr>
+          <p:cNvSpPr>
+            <a:spLocks noGrp="1"/>
+          </p:cNvSpPr>
+          <p:nvPr>
+            <p:ph idx="1"/>
+          </p:nvPr>
+        </p:nvSpPr>
+        <p:spPr/>
+        <p:txBody>
+          <a:bodyPr/>
+          <a:lstStyle/>
+          <a:p>
+            <a:pPr marL="359410" indent="-359410">
+              <a:lnSpc>
+                <a:spcPct val="200000"/>
+              </a:lnSpc>
+            </a:pPr>
+            <a:r>
+              <a:rPr lang="en-US">
+                <a:solidFill>
+                  <a:srgbClr val="FFFFFF"/>
+                </a:solidFill>
+              </a:rPr>
+              <a:t>Visualizing time series data of more than 5 companies at once was too messy.</a:t>
+            </a:r>
+            <a:endParaRPr lang="en-US"/>
+          </a:p>
+          <a:p>
+            <a:pPr marL="359410" indent="-359410">
+              <a:lnSpc>
+                <a:spcPct val="200000"/>
+              </a:lnSpc>
+              <a:buClr>
+                <a:srgbClr val="E0C1A8"/>
+              </a:buClr>
+            </a:pPr>
+            <a:r>
+              <a:rPr lang="en-US">
+                <a:solidFill>
+                  <a:srgbClr val="FFFFFF"/>
+                </a:solidFill>
+              </a:rPr>
+              <a:t>Took some time to figure out how to visualize data using </a:t>
+            </a:r>
+            <a:r>
+              <a:rPr lang="en-US" err="1">
+                <a:solidFill>
+                  <a:srgbClr val="FFFFFF"/>
+                </a:solidFill>
+              </a:rPr>
+              <a:t>groupby</a:t>
+            </a:r>
+            <a:r>
+              <a:rPr lang="en-US">
+                <a:solidFill>
+                  <a:srgbClr val="FFFFFF"/>
+                </a:solidFill>
+              </a:rPr>
+              <a:t> objects</a:t>
+            </a:r>
+          </a:p>
+          <a:p>
+            <a:pPr marL="359410" indent="-359410">
+              <a:lnSpc>
+                <a:spcPct val="200000"/>
+              </a:lnSpc>
+              <a:buClr>
+                <a:srgbClr val="E0C1A8"/>
+              </a:buClr>
+            </a:pPr>
+            <a:r>
+              <a:rPr lang="en-US">
+                <a:solidFill>
+                  <a:srgbClr val="FFFFFF"/>
+                </a:solidFill>
+              </a:rPr>
+              <a:t>Didn’t find a major change in the RMSE scores after hyperparameter tuning.</a:t>
+            </a:r>
+          </a:p>
+          <a:p>
+            <a:pPr marL="0" indent="0">
+              <a:lnSpc>
+                <a:spcPct val="200000"/>
+              </a:lnSpc>
+              <a:buNone/>
+            </a:pPr>
+            <a:endParaRPr lang="en-US">
+              <a:solidFill>
+                <a:srgbClr val="FFFFFF">
+                  <a:alpha val="70000"/>
+                </a:srgbClr>
+              </a:solidFill>
+            </a:endParaRPr>
+          </a:p>
+        </p:txBody>
+      </p:sp>
+    </p:spTree>
+    <p:extLst>
+      <p:ext uri="{BB962C8B-B14F-4D97-AF65-F5344CB8AC3E}">
+        <p14:creationId xmlns:p14="http://schemas.microsoft.com/office/powerpoint/2010/main" val="1153989042"/>
+      </p:ext>
+    </p:extLst>
+  </p:cSld>
+  <p:clrMapOvr>
+    <a:masterClrMapping/>
+  </p:clrMapOvr>
+</p:sld>
+</file>
+
+<file path=ppt/slides/slide25.xml><?xml version="1.0" encoding="utf-8"?>
+<p:sld xmlns:a="http://schemas.openxmlformats.org/drawingml/2006/main" xmlns:r="http://schemas.openxmlformats.org/officeDocument/2006/relationships" xmlns:p="http://schemas.openxmlformats.org/presentationml/2006/main">
+  <p:cSld>
+    <p:spTree>
+      <p:nvGrpSpPr>
+        <p:cNvPr id="1" name=""/>
+        <p:cNvGrpSpPr/>
+        <p:nvPr/>
+      </p:nvGrpSpPr>
+      <p:grpSpPr>
+        <a:xfrm>
+          <a:off x="0" y="0"/>
+          <a:ext cx="0" cy="0"/>
+          <a:chOff x="0" y="0"/>
+          <a:chExt cx="0" cy="0"/>
+        </a:xfrm>
+      </p:grpSpPr>
+      <p:sp>
+        <p:nvSpPr>
+          <p:cNvPr id="2" name="Title 1">
+            <a:extLst>
+              <a:ext uri="{FF2B5EF4-FFF2-40B4-BE49-F238E27FC236}">
                 <a16:creationId xmlns:a16="http://schemas.microsoft.com/office/drawing/2014/main" id="{BF0464DB-AB08-4BA0-9456-BF53E9290F41}"/>
               </a:ext>
             </a:extLst>
@@ -11468,7 +11767,7 @@
           <a:p>
             <a:pPr marL="359410" indent="-359410"/>
             <a:r>
-              <a:rPr lang="en-US" dirty="0">
+              <a:rPr lang="en-US">
                 <a:solidFill>
                   <a:srgbClr val="FFFFFF"/>
                 </a:solidFill>
@@ -11483,7 +11782,7 @@
               </a:buClr>
             </a:pPr>
             <a:r>
-              <a:rPr lang="en-US" i="0" dirty="0">
+              <a:rPr lang="en-US" i="0">
                 <a:solidFill>
                   <a:srgbClr val="FFFFFF"/>
                 </a:solidFill>
@@ -11498,7 +11797,7 @@
               </a:buClr>
             </a:pPr>
             <a:r>
-              <a:rPr lang="en-US" dirty="0">
+              <a:rPr lang="en-US">
                 <a:solidFill>
                   <a:srgbClr val="FFFFFF"/>
                 </a:solidFill>
@@ -11509,7 +11808,7 @@
           <a:p>
             <a:pPr marL="359410" lvl="1"/>
             <a:r>
-              <a:rPr lang="en-US" i="0" dirty="0">
+              <a:rPr lang="en-US" i="0">
                 <a:solidFill>
                   <a:srgbClr val="FFFFFF"/>
                 </a:solidFill>
@@ -11518,7 +11817,7 @@
               </a:rPr>
               <a:t>Hyperparameter sweep for methods, inference analysis, and some visualization.</a:t>
             </a:r>
-            <a:endParaRPr lang="en-US" dirty="0"/>
+            <a:endParaRPr lang="en-US"/>
           </a:p>
           <a:p>
             <a:pPr marL="359410" indent="-359410">
@@ -11527,7 +11826,7 @@
               </a:buClr>
             </a:pPr>
             <a:r>
-              <a:rPr lang="en-US" dirty="0">
+              <a:rPr lang="en-US">
                 <a:solidFill>
                   <a:srgbClr val="FFFFFF"/>
                 </a:solidFill>
@@ -11538,7 +11837,7 @@
           <a:p>
             <a:pPr marL="359410" lvl="1"/>
             <a:r>
-              <a:rPr lang="en-US" i="0" dirty="0">
+              <a:rPr lang="en-US" i="0">
                 <a:solidFill>
                   <a:srgbClr val="FFFFFF"/>
                 </a:solidFill>
@@ -11547,19 +11846,19 @@
               </a:rPr>
               <a:t>Early data visualization in the draft. Overview and goal parts of presentation.</a:t>
             </a:r>
-            <a:endParaRPr lang="en-US" dirty="0"/>
+            <a:endParaRPr lang="en-US"/>
           </a:p>
           <a:p>
             <a:pPr marL="359410" lvl="1"/>
             <a:r>
-              <a:rPr lang="en-US" i="0" dirty="0">
+              <a:rPr lang="en-US" i="0">
                 <a:solidFill>
                   <a:srgbClr val="FFFFFF"/>
                 </a:solidFill>
               </a:rPr>
               <a:t>Theoretical prediction part in summary result.</a:t>
             </a:r>
-            <a:endParaRPr lang="en-US" dirty="0">
+            <a:endParaRPr lang="en-US">
               <a:solidFill>
                 <a:srgbClr val="FFFFFF"/>
               </a:solidFill>
@@ -11572,7 +11871,7 @@
               </a:buClr>
             </a:pPr>
             <a:r>
-              <a:rPr lang="en-US" dirty="0">
+              <a:rPr lang="en-US">
                 <a:solidFill>
                   <a:srgbClr val="FFFFFF"/>
                 </a:solidFill>
@@ -11583,14 +11882,14 @@
           <a:p>
             <a:pPr marL="359410" lvl="1"/>
             <a:r>
-              <a:rPr lang="en-US" i="0" dirty="0">
+              <a:rPr lang="en-US" i="0">
                 <a:solidFill>
                   <a:srgbClr val="FFFFFF"/>
                 </a:solidFill>
               </a:rPr>
               <a:t>Data Exploration and Visualization</a:t>
             </a:r>
-            <a:endParaRPr lang="en-US" i="0" dirty="0"/>
+            <a:endParaRPr lang="en-US" i="0"/>
           </a:p>
         </p:txBody>
       </p:sp>
@@ -11607,7 +11906,7 @@
 </p:sld>
 </file>
 
-<file path=ppt/slides/slide25.xml><?xml version="1.0" encoding="utf-8"?>
+<file path=ppt/slides/slide26.xml><?xml version="1.0" encoding="utf-8"?>
 <p:sld xmlns:a="http://schemas.openxmlformats.org/drawingml/2006/main" xmlns:r="http://schemas.openxmlformats.org/officeDocument/2006/relationships" xmlns:p="http://schemas.openxmlformats.org/presentationml/2006/main">
   <p:cSld>
     <p:spTree>
@@ -11744,7 +12043,7 @@
           <a:p>
             <a:pPr marL="359410" indent="-359410"/>
             <a:r>
-              <a:rPr lang="en-US" sz="2400" dirty="0">
+              <a:rPr lang="en-US" sz="2400">
                 <a:solidFill>
                   <a:srgbClr val="FFFFFF"/>
                 </a:solidFill>
@@ -11761,7 +12060,7 @@
               </a:buClr>
             </a:pPr>
             <a:r>
-              <a:rPr lang="en-US" sz="2400" dirty="0">
+              <a:rPr lang="en-US" sz="2400">
                 <a:solidFill>
                   <a:srgbClr val="FFFFFF"/>
                 </a:solidFill>
@@ -11770,7 +12069,7 @@
               </a:rPr>
               <a:t>These stocks are on the Nasdaq and NYSE and are subjectively picked by the editors of The Wall Street Journal.</a:t>
             </a:r>
-            <a:endParaRPr lang="en-US" sz="2400" dirty="0">
+            <a:endParaRPr lang="en-US" sz="2400">
               <a:solidFill>
                 <a:srgbClr val="FFFFFF"/>
               </a:solidFill>
@@ -11783,7 +12082,7 @@
               </a:buClr>
             </a:pPr>
             <a:r>
-              <a:rPr lang="en-US" sz="2400" dirty="0">
+              <a:rPr lang="en-US" sz="2400">
                 <a:solidFill>
                   <a:srgbClr val="FFFFFF"/>
                 </a:solidFill>
@@ -11792,7 +12091,7 @@
               </a:rPr>
               <a:t>The DJI is used in the media as a barometer of the broader stock market and the economy as a whole.</a:t>
             </a:r>
-            <a:endParaRPr lang="en-US" sz="2400" dirty="0">
+            <a:endParaRPr lang="en-US" sz="2400">
               <a:solidFill>
                 <a:srgbClr val="FFFFFF"/>
               </a:solidFill>
@@ -11805,7 +12104,7 @@
               </a:buClr>
             </a:pPr>
             <a:r>
-              <a:rPr lang="en-US" sz="2400" dirty="0">
+              <a:rPr lang="en-US" sz="2400">
                 <a:solidFill>
                   <a:srgbClr val="FFFFFF"/>
                 </a:solidFill>
@@ -11815,7 +12114,7 @@
               <a:t>The </a:t>
             </a:r>
             <a:r>
-              <a:rPr lang="en-US" sz="2400" b="1" dirty="0">
+              <a:rPr lang="en-US" sz="2400" b="1">
                 <a:solidFill>
                   <a:srgbClr val="FFFFFF"/>
                 </a:solidFill>
@@ -11825,7 +12124,7 @@
               <a:t>DJIA</a:t>
             </a:r>
             <a:r>
-              <a:rPr lang="en-US" sz="2400" dirty="0">
+              <a:rPr lang="en-US" sz="2400">
                 <a:solidFill>
                   <a:srgbClr val="FFFFFF"/>
                 </a:solidFill>
@@ -11835,7 +12134,7 @@
               <a:t> is </a:t>
             </a:r>
             <a:r>
-              <a:rPr lang="en-US" sz="2400" b="1" dirty="0">
+              <a:rPr lang="en-US" sz="2400" b="1">
                 <a:solidFill>
                   <a:srgbClr val="FFFFFF"/>
                 </a:solidFill>
@@ -11845,7 +12144,7 @@
               <a:t>calculated</a:t>
             </a:r>
             <a:r>
-              <a:rPr lang="en-US" sz="2400" dirty="0">
+              <a:rPr lang="en-US" sz="2400">
                 <a:solidFill>
                   <a:srgbClr val="FFFFFF"/>
                 </a:solidFill>
@@ -11854,7 +12153,7 @@
               </a:rPr>
               <a:t> by adding up all the stock prices of its 30 components and dividing the sum by the Dow divisor. However, the divisor is continuously adjusted for corporate actions, such as dividend payments and stock splits.</a:t>
             </a:r>
-            <a:endParaRPr lang="en-US" sz="2400" dirty="0">
+            <a:endParaRPr lang="en-US" sz="2400">
               <a:solidFill>
                 <a:srgbClr val="FFFFFF"/>
               </a:solidFill>
@@ -12298,14 +12597,14 @@
           <a:p>
             <a:pPr marL="359410" indent="-359410"/>
             <a:r>
-              <a:rPr lang="en-US" dirty="0">
+              <a:rPr lang="en-US">
                 <a:solidFill>
                   <a:srgbClr val="FFFFFF"/>
                 </a:solidFill>
               </a:rPr>
               <a:t>To identify the top performing and most traded stocks amongst the 30 in the DJI between Feb 2013 and Feb 2018 by assessing their average daily returns and volume during the period.</a:t>
             </a:r>
-            <a:endParaRPr lang="en-US" dirty="0"/>
+            <a:endParaRPr lang="en-US"/>
           </a:p>
           <a:p>
             <a:pPr marL="359410" indent="-359410">
@@ -12314,14 +12613,14 @@
               </a:buClr>
             </a:pPr>
             <a:r>
-              <a:rPr lang="en-US" dirty="0">
+              <a:rPr lang="en-US">
                 <a:solidFill>
                   <a:srgbClr val="FFFFFF"/>
                 </a:solidFill>
               </a:rPr>
               <a:t>To evaluate which machine learning model best predicts the closing price of the stock.</a:t>
             </a:r>
-            <a:endParaRPr lang="en-US" dirty="0"/>
+            <a:endParaRPr lang="en-US"/>
           </a:p>
           <a:p>
             <a:pPr marL="359410" indent="-359410">
@@ -12330,14 +12629,14 @@
               </a:buClr>
             </a:pPr>
             <a:r>
-              <a:rPr lang="en-US" dirty="0">
+              <a:rPr lang="en-US">
                 <a:solidFill>
                   <a:srgbClr val="FFFFFF"/>
                 </a:solidFill>
               </a:rPr>
               <a:t>Evaluate the concept of  Moving Averages which is the most popular method used by technical analysts and traders to get 'buy' and 'sell' signals for a particular stock. </a:t>
             </a:r>
-            <a:endParaRPr lang="en-US" dirty="0">
+            <a:endParaRPr lang="en-US">
               <a:solidFill>
                 <a:srgbClr val="FFFFFF">
                   <a:alpha val="70000"/>
